--- a/Slides/PH223_Lecture_15.pptx
+++ b/Slides/PH223_Lecture_15.pptx
@@ -163,16 +163,32 @@
 </p:presentation>
 </file>
 
-<file path=ppt/revisionInfo.xml><?xml version="1.0" encoding="utf-8"?>
-<p1510:revInfo xmlns:a="http://schemas.openxmlformats.org/drawingml/2006/main" xmlns:r="http://schemas.openxmlformats.org/officeDocument/2006/relationships" xmlns:p1510="http://schemas.microsoft.com/office/powerpoint/2015/10/main">
-  <p1510:revLst>
-    <p1510:client id="{EC9BCF4E-3225-4E8D-9A27-FE7B02904EE6}" v="172" dt="2023-10-03T22:55:06.536"/>
-  </p1510:revLst>
-</p1510:revInfo>
-</file>
-
 <file path=ppt/changesInfos/changesInfo1.xml><?xml version="1.0" encoding="utf-8"?>
 <pc:chgInfo xmlns:a="http://schemas.openxmlformats.org/drawingml/2006/main" xmlns:r="http://schemas.openxmlformats.org/officeDocument/2006/relationships" xmlns:ac="http://schemas.microsoft.com/office/drawing/2013/main/command" xmlns:pc="http://schemas.microsoft.com/office/powerpoint/2013/main/command">
+  <pc:docChgLst>
+    <pc:chgData name="Lines, Todd" userId="afaf7c3a-e8aa-4568-882a-02ad8f9e19b0" providerId="ADAL" clId="{9B155CD5-C53C-451B-B4F2-DB6A747D6BC5}"/>
+    <pc:docChg chg="modSld">
+      <pc:chgData name="Lines, Todd" userId="afaf7c3a-e8aa-4568-882a-02ad8f9e19b0" providerId="ADAL" clId="{9B155CD5-C53C-451B-B4F2-DB6A747D6BC5}" dt="2024-01-04T18:31:40.803" v="0" actId="1076"/>
+      <pc:docMkLst>
+        <pc:docMk/>
+      </pc:docMkLst>
+      <pc:sldChg chg="modSp mod">
+        <pc:chgData name="Lines, Todd" userId="afaf7c3a-e8aa-4568-882a-02ad8f9e19b0" providerId="ADAL" clId="{9B155CD5-C53C-451B-B4F2-DB6A747D6BC5}" dt="2024-01-04T18:31:40.803" v="0" actId="1076"/>
+        <pc:sldMkLst>
+          <pc:docMk/>
+          <pc:sldMk cId="0" sldId="265"/>
+        </pc:sldMkLst>
+        <pc:picChg chg="mod">
+          <ac:chgData name="Lines, Todd" userId="afaf7c3a-e8aa-4568-882a-02ad8f9e19b0" providerId="ADAL" clId="{9B155CD5-C53C-451B-B4F2-DB6A747D6BC5}" dt="2024-01-04T18:31:40.803" v="0" actId="1076"/>
+          <ac:picMkLst>
+            <pc:docMk/>
+            <pc:sldMk cId="0" sldId="265"/>
+            <ac:picMk id="627714" creationId="{00000000-0000-0000-0000-000000000000}"/>
+          </ac:picMkLst>
+        </pc:picChg>
+      </pc:sldChg>
+    </pc:docChg>
+  </pc:docChgLst>
   <pc:docChgLst>
     <pc:chgData name="Lines, Todd" userId="afaf7c3a-e8aa-4568-882a-02ad8f9e19b0" providerId="ADAL" clId="{EC9BCF4E-3225-4E8D-9A27-FE7B02904EE6}"/>
     <pc:docChg chg="undo custSel addSld delSld modSld sldOrd">
@@ -849,7 +865,7 @@
             <a:fld id="{EFBB5B7A-3EC1-4CBC-A1FD-4B8F1F44BB01}" type="datetimeFigureOut">
               <a:rPr lang="en-US" smtClean="0"/>
               <a:pPr/>
-              <a:t>10/3/2023</a:t>
+              <a:t>1/4/2024</a:t>
             </a:fld>
             <a:endParaRPr lang="en-US"/>
           </a:p>
@@ -1014,7 +1030,7 @@
             <a:fld id="{EFBB5B7A-3EC1-4CBC-A1FD-4B8F1F44BB01}" type="datetimeFigureOut">
               <a:rPr lang="en-US" smtClean="0"/>
               <a:pPr/>
-              <a:t>10/3/2023</a:t>
+              <a:t>1/4/2024</a:t>
             </a:fld>
             <a:endParaRPr lang="en-US"/>
           </a:p>
@@ -1189,7 +1205,7 @@
             <a:fld id="{EFBB5B7A-3EC1-4CBC-A1FD-4B8F1F44BB01}" type="datetimeFigureOut">
               <a:rPr lang="en-US" smtClean="0"/>
               <a:pPr/>
-              <a:t>10/3/2023</a:t>
+              <a:t>1/4/2024</a:t>
             </a:fld>
             <a:endParaRPr lang="en-US"/>
           </a:p>
@@ -1615,7 +1631,7 @@
             <a:fld id="{EFBB5B7A-3EC1-4CBC-A1FD-4B8F1F44BB01}" type="datetimeFigureOut">
               <a:rPr lang="en-US" smtClean="0"/>
               <a:pPr/>
-              <a:t>10/3/2023</a:t>
+              <a:t>1/4/2024</a:t>
             </a:fld>
             <a:endParaRPr lang="en-US"/>
           </a:p>
@@ -1857,7 +1873,7 @@
             <a:fld id="{EFBB5B7A-3EC1-4CBC-A1FD-4B8F1F44BB01}" type="datetimeFigureOut">
               <a:rPr lang="en-US" smtClean="0"/>
               <a:pPr/>
-              <a:t>10/3/2023</a:t>
+              <a:t>1/4/2024</a:t>
             </a:fld>
             <a:endParaRPr lang="en-US"/>
           </a:p>
@@ -2139,7 +2155,7 @@
             <a:fld id="{EFBB5B7A-3EC1-4CBC-A1FD-4B8F1F44BB01}" type="datetimeFigureOut">
               <a:rPr lang="en-US" smtClean="0"/>
               <a:pPr/>
-              <a:t>10/3/2023</a:t>
+              <a:t>1/4/2024</a:t>
             </a:fld>
             <a:endParaRPr lang="en-US"/>
           </a:p>
@@ -2555,7 +2571,7 @@
             <a:fld id="{EFBB5B7A-3EC1-4CBC-A1FD-4B8F1F44BB01}" type="datetimeFigureOut">
               <a:rPr lang="en-US" smtClean="0"/>
               <a:pPr/>
-              <a:t>10/3/2023</a:t>
+              <a:t>1/4/2024</a:t>
             </a:fld>
             <a:endParaRPr lang="en-US"/>
           </a:p>
@@ -2669,7 +2685,7 @@
             <a:fld id="{EFBB5B7A-3EC1-4CBC-A1FD-4B8F1F44BB01}" type="datetimeFigureOut">
               <a:rPr lang="en-US" smtClean="0"/>
               <a:pPr/>
-              <a:t>10/3/2023</a:t>
+              <a:t>1/4/2024</a:t>
             </a:fld>
             <a:endParaRPr lang="en-US"/>
           </a:p>
@@ -2761,7 +2777,7 @@
             <a:fld id="{EFBB5B7A-3EC1-4CBC-A1FD-4B8F1F44BB01}" type="datetimeFigureOut">
               <a:rPr lang="en-US" smtClean="0"/>
               <a:pPr/>
-              <a:t>10/3/2023</a:t>
+              <a:t>1/4/2024</a:t>
             </a:fld>
             <a:endParaRPr lang="en-US"/>
           </a:p>
@@ -3033,7 +3049,7 @@
             <a:fld id="{EFBB5B7A-3EC1-4CBC-A1FD-4B8F1F44BB01}" type="datetimeFigureOut">
               <a:rPr lang="en-US" smtClean="0"/>
               <a:pPr/>
-              <a:t>10/3/2023</a:t>
+              <a:t>1/4/2024</a:t>
             </a:fld>
             <a:endParaRPr lang="en-US"/>
           </a:p>
@@ -3282,7 +3298,7 @@
             <a:fld id="{EFBB5B7A-3EC1-4CBC-A1FD-4B8F1F44BB01}" type="datetimeFigureOut">
               <a:rPr lang="en-US" smtClean="0"/>
               <a:pPr/>
-              <a:t>10/3/2023</a:t>
+              <a:t>1/4/2024</a:t>
             </a:fld>
             <a:endParaRPr lang="en-US"/>
           </a:p>
@@ -3490,7 +3506,7 @@
             <a:fld id="{EFBB5B7A-3EC1-4CBC-A1FD-4B8F1F44BB01}" type="datetimeFigureOut">
               <a:rPr lang="en-US" smtClean="0"/>
               <a:pPr/>
-              <a:t>10/3/2023</a:t>
+              <a:t>1/4/2024</a:t>
             </a:fld>
             <a:endParaRPr lang="en-US"/>
           </a:p>
@@ -20235,7 +20251,7 @@
         </p:blipFill>
         <p:spPr bwMode="auto">
           <a:xfrm>
-            <a:off x="1485369" y="1667405"/>
+            <a:off x="1404982" y="1612636"/>
             <a:ext cx="6912973" cy="3632728"/>
           </a:xfrm>
           <a:prstGeom prst="rect">
@@ -28372,8 +28388,8 @@
           <a:chExt cx="0" cy="0"/>
         </a:xfrm>
       </p:grpSpPr>
-      <mc:AlternateContent xmlns:mc="http://schemas.openxmlformats.org/markup-compatibility/2006">
-        <mc:Choice xmlns:a14="http://schemas.microsoft.com/office/drawing/2010/main" Requires="a14">
+      <mc:AlternateContent xmlns:mc="http://schemas.openxmlformats.org/markup-compatibility/2006" xmlns:a14="http://schemas.microsoft.com/office/drawing/2010/main">
+        <mc:Choice Requires="a14">
           <p:sp>
             <p:nvSpPr>
               <p:cNvPr id="3" name="Content Placeholder 2"/>
@@ -28466,7 +28482,7 @@
             </p:txBody>
           </p:sp>
         </mc:Choice>
-        <mc:Fallback>
+        <mc:Fallback xmlns="">
           <p:sp>
             <p:nvSpPr>
               <p:cNvPr id="3" name="Content Placeholder 2"/>

--- a/Slides/PH223_Lecture_15.pptx
+++ b/Slides/PH223_Lecture_15.pptx
@@ -163,8 +163,88 @@
 </p:presentation>
 </file>
 
+<file path=ppt/revisionInfo.xml><?xml version="1.0" encoding="utf-8"?>
+<p1510:revInfo xmlns:a="http://schemas.openxmlformats.org/drawingml/2006/main" xmlns:r="http://schemas.openxmlformats.org/officeDocument/2006/relationships" xmlns:p1510="http://schemas.microsoft.com/office/powerpoint/2015/10/main">
+  <p1510:revLst>
+    <p1510:client id="{94697C76-E218-456D-AEA0-211C42FA23B6}" v="1" dt="2024-05-14T16:43:02.297"/>
+  </p1510:revLst>
+</p1510:revInfo>
+</file>
+
 <file path=ppt/changesInfos/changesInfo1.xml><?xml version="1.0" encoding="utf-8"?>
 <pc:chgInfo xmlns:a="http://schemas.openxmlformats.org/drawingml/2006/main" xmlns:r="http://schemas.openxmlformats.org/officeDocument/2006/relationships" xmlns:ac="http://schemas.microsoft.com/office/drawing/2013/main/command" xmlns:pc="http://schemas.microsoft.com/office/powerpoint/2013/main/command">
+  <pc:docChgLst>
+    <pc:chgData name="Lines, Todd" userId="afaf7c3a-e8aa-4568-882a-02ad8f9e19b0" providerId="ADAL" clId="{94697C76-E218-456D-AEA0-211C42FA23B6}"/>
+    <pc:docChg chg="custSel modSld">
+      <pc:chgData name="Lines, Todd" userId="afaf7c3a-e8aa-4568-882a-02ad8f9e19b0" providerId="ADAL" clId="{94697C76-E218-456D-AEA0-211C42FA23B6}" dt="2024-05-14T16:43:08.060" v="28" actId="21"/>
+      <pc:docMkLst>
+        <pc:docMk/>
+      </pc:docMkLst>
+      <pc:sldChg chg="delSp modSp mod">
+        <pc:chgData name="Lines, Todd" userId="afaf7c3a-e8aa-4568-882a-02ad8f9e19b0" providerId="ADAL" clId="{94697C76-E218-456D-AEA0-211C42FA23B6}" dt="2024-05-14T16:43:08.060" v="28" actId="21"/>
+        <pc:sldMkLst>
+          <pc:docMk/>
+          <pc:sldMk cId="0" sldId="261"/>
+        </pc:sldMkLst>
+        <pc:grpChg chg="mod">
+          <ac:chgData name="Lines, Todd" userId="afaf7c3a-e8aa-4568-882a-02ad8f9e19b0" providerId="ADAL" clId="{94697C76-E218-456D-AEA0-211C42FA23B6}" dt="2024-05-14T16:42:30.184" v="22" actId="1076"/>
+          <ac:grpSpMkLst>
+            <pc:docMk/>
+            <pc:sldMk cId="0" sldId="261"/>
+            <ac:grpSpMk id="9" creationId="{00000000-0000-0000-0000-000000000000}"/>
+          </ac:grpSpMkLst>
+        </pc:grpChg>
+        <pc:picChg chg="del mod">
+          <ac:chgData name="Lines, Todd" userId="afaf7c3a-e8aa-4568-882a-02ad8f9e19b0" providerId="ADAL" clId="{94697C76-E218-456D-AEA0-211C42FA23B6}" dt="2024-05-14T16:43:08.060" v="28" actId="21"/>
+          <ac:picMkLst>
+            <pc:docMk/>
+            <pc:sldMk cId="0" sldId="261"/>
+            <ac:picMk id="12" creationId="{9604024B-36B7-24B3-4C3D-FAEE7FB950FE}"/>
+          </ac:picMkLst>
+        </pc:picChg>
+        <pc:cxnChg chg="mod">
+          <ac:chgData name="Lines, Todd" userId="afaf7c3a-e8aa-4568-882a-02ad8f9e19b0" providerId="ADAL" clId="{94697C76-E218-456D-AEA0-211C42FA23B6}" dt="2024-05-14T16:41:13.569" v="1" actId="208"/>
+          <ac:cxnSpMkLst>
+            <pc:docMk/>
+            <pc:sldMk cId="0" sldId="261"/>
+            <ac:cxnSpMk id="39" creationId="{00000000-0000-0000-0000-000000000000}"/>
+          </ac:cxnSpMkLst>
+        </pc:cxnChg>
+        <pc:cxnChg chg="mod">
+          <ac:chgData name="Lines, Todd" userId="afaf7c3a-e8aa-4568-882a-02ad8f9e19b0" providerId="ADAL" clId="{94697C76-E218-456D-AEA0-211C42FA23B6}" dt="2024-05-14T16:41:16.512" v="2" actId="208"/>
+          <ac:cxnSpMkLst>
+            <pc:docMk/>
+            <pc:sldMk cId="0" sldId="261"/>
+            <ac:cxnSpMk id="40" creationId="{00000000-0000-0000-0000-000000000000}"/>
+          </ac:cxnSpMkLst>
+        </pc:cxnChg>
+        <pc:cxnChg chg="mod">
+          <ac:chgData name="Lines, Todd" userId="afaf7c3a-e8aa-4568-882a-02ad8f9e19b0" providerId="ADAL" clId="{94697C76-E218-456D-AEA0-211C42FA23B6}" dt="2024-05-14T16:41:10.859" v="0" actId="208"/>
+          <ac:cxnSpMkLst>
+            <pc:docMk/>
+            <pc:sldMk cId="0" sldId="261"/>
+            <ac:cxnSpMk id="41" creationId="{00000000-0000-0000-0000-000000000000}"/>
+          </ac:cxnSpMkLst>
+        </pc:cxnChg>
+        <pc:cxnChg chg="mod">
+          <ac:chgData name="Lines, Todd" userId="afaf7c3a-e8aa-4568-882a-02ad8f9e19b0" providerId="ADAL" clId="{94697C76-E218-456D-AEA0-211C42FA23B6}" dt="2024-05-14T16:42:41.627" v="25" actId="1076"/>
+          <ac:cxnSpMkLst>
+            <pc:docMk/>
+            <pc:sldMk cId="0" sldId="261"/>
+            <ac:cxnSpMk id="45" creationId="{00000000-0000-0000-0000-000000000000}"/>
+          </ac:cxnSpMkLst>
+        </pc:cxnChg>
+        <pc:cxnChg chg="mod">
+          <ac:chgData name="Lines, Todd" userId="afaf7c3a-e8aa-4568-882a-02ad8f9e19b0" providerId="ADAL" clId="{94697C76-E218-456D-AEA0-211C42FA23B6}" dt="2024-05-14T16:42:51.333" v="26" actId="1076"/>
+          <ac:cxnSpMkLst>
+            <pc:docMk/>
+            <pc:sldMk cId="0" sldId="261"/>
+            <ac:cxnSpMk id="50" creationId="{00000000-0000-0000-0000-000000000000}"/>
+          </ac:cxnSpMkLst>
+        </pc:cxnChg>
+      </pc:sldChg>
+    </pc:docChg>
+  </pc:docChgLst>
   <pc:docChgLst>
     <pc:chgData name="Lines, Todd" userId="afaf7c3a-e8aa-4568-882a-02ad8f9e19b0" providerId="ADAL" clId="{9B155CD5-C53C-451B-B4F2-DB6A747D6BC5}"/>
     <pc:docChg chg="modSld">
@@ -865,7 +945,7 @@
             <a:fld id="{EFBB5B7A-3EC1-4CBC-A1FD-4B8F1F44BB01}" type="datetimeFigureOut">
               <a:rPr lang="en-US" smtClean="0"/>
               <a:pPr/>
-              <a:t>1/4/2024</a:t>
+              <a:t>5/14/2024</a:t>
             </a:fld>
             <a:endParaRPr lang="en-US"/>
           </a:p>
@@ -1030,7 +1110,7 @@
             <a:fld id="{EFBB5B7A-3EC1-4CBC-A1FD-4B8F1F44BB01}" type="datetimeFigureOut">
               <a:rPr lang="en-US" smtClean="0"/>
               <a:pPr/>
-              <a:t>1/4/2024</a:t>
+              <a:t>5/14/2024</a:t>
             </a:fld>
             <a:endParaRPr lang="en-US"/>
           </a:p>
@@ -1205,7 +1285,7 @@
             <a:fld id="{EFBB5B7A-3EC1-4CBC-A1FD-4B8F1F44BB01}" type="datetimeFigureOut">
               <a:rPr lang="en-US" smtClean="0"/>
               <a:pPr/>
-              <a:t>1/4/2024</a:t>
+              <a:t>5/14/2024</a:t>
             </a:fld>
             <a:endParaRPr lang="en-US"/>
           </a:p>
@@ -1631,7 +1711,7 @@
             <a:fld id="{EFBB5B7A-3EC1-4CBC-A1FD-4B8F1F44BB01}" type="datetimeFigureOut">
               <a:rPr lang="en-US" smtClean="0"/>
               <a:pPr/>
-              <a:t>1/4/2024</a:t>
+              <a:t>5/14/2024</a:t>
             </a:fld>
             <a:endParaRPr lang="en-US"/>
           </a:p>
@@ -1873,7 +1953,7 @@
             <a:fld id="{EFBB5B7A-3EC1-4CBC-A1FD-4B8F1F44BB01}" type="datetimeFigureOut">
               <a:rPr lang="en-US" smtClean="0"/>
               <a:pPr/>
-              <a:t>1/4/2024</a:t>
+              <a:t>5/14/2024</a:t>
             </a:fld>
             <a:endParaRPr lang="en-US"/>
           </a:p>
@@ -2155,7 +2235,7 @@
             <a:fld id="{EFBB5B7A-3EC1-4CBC-A1FD-4B8F1F44BB01}" type="datetimeFigureOut">
               <a:rPr lang="en-US" smtClean="0"/>
               <a:pPr/>
-              <a:t>1/4/2024</a:t>
+              <a:t>5/14/2024</a:t>
             </a:fld>
             <a:endParaRPr lang="en-US"/>
           </a:p>
@@ -2571,7 +2651,7 @@
             <a:fld id="{EFBB5B7A-3EC1-4CBC-A1FD-4B8F1F44BB01}" type="datetimeFigureOut">
               <a:rPr lang="en-US" smtClean="0"/>
               <a:pPr/>
-              <a:t>1/4/2024</a:t>
+              <a:t>5/14/2024</a:t>
             </a:fld>
             <a:endParaRPr lang="en-US"/>
           </a:p>
@@ -2685,7 +2765,7 @@
             <a:fld id="{EFBB5B7A-3EC1-4CBC-A1FD-4B8F1F44BB01}" type="datetimeFigureOut">
               <a:rPr lang="en-US" smtClean="0"/>
               <a:pPr/>
-              <a:t>1/4/2024</a:t>
+              <a:t>5/14/2024</a:t>
             </a:fld>
             <a:endParaRPr lang="en-US"/>
           </a:p>
@@ -2777,7 +2857,7 @@
             <a:fld id="{EFBB5B7A-3EC1-4CBC-A1FD-4B8F1F44BB01}" type="datetimeFigureOut">
               <a:rPr lang="en-US" smtClean="0"/>
               <a:pPr/>
-              <a:t>1/4/2024</a:t>
+              <a:t>5/14/2024</a:t>
             </a:fld>
             <a:endParaRPr lang="en-US"/>
           </a:p>
@@ -3049,7 +3129,7 @@
             <a:fld id="{EFBB5B7A-3EC1-4CBC-A1FD-4B8F1F44BB01}" type="datetimeFigureOut">
               <a:rPr lang="en-US" smtClean="0"/>
               <a:pPr/>
-              <a:t>1/4/2024</a:t>
+              <a:t>5/14/2024</a:t>
             </a:fld>
             <a:endParaRPr lang="en-US"/>
           </a:p>
@@ -3298,7 +3378,7 @@
             <a:fld id="{EFBB5B7A-3EC1-4CBC-A1FD-4B8F1F44BB01}" type="datetimeFigureOut">
               <a:rPr lang="en-US" smtClean="0"/>
               <a:pPr/>
-              <a:t>1/4/2024</a:t>
+              <a:t>5/14/2024</a:t>
             </a:fld>
             <a:endParaRPr lang="en-US"/>
           </a:p>
@@ -3506,7 +3586,7 @@
             <a:fld id="{EFBB5B7A-3EC1-4CBC-A1FD-4B8F1F44BB01}" type="datetimeFigureOut">
               <a:rPr lang="en-US" smtClean="0"/>
               <a:pPr/>
-              <a:t>1/4/2024</a:t>
+              <a:t>5/14/2024</a:t>
             </a:fld>
             <a:endParaRPr lang="en-US"/>
           </a:p>
@@ -28608,8 +28688,8 @@
         </p:nvGrpSpPr>
         <p:grpSpPr>
           <a:xfrm>
-            <a:off x="1365510" y="1694819"/>
-            <a:ext cx="6597546" cy="3957403"/>
+            <a:off x="1440925" y="1289466"/>
+            <a:ext cx="6597546" cy="4661531"/>
             <a:chOff x="1365510" y="1694819"/>
             <a:chExt cx="6597546" cy="3957403"/>
           </a:xfrm>
@@ -28744,7 +28824,7 @@
             </a:prstGeom>
             <a:ln w="38100">
               <a:solidFill>
-                <a:srgbClr val="FFC000"/>
+                <a:srgbClr val="00B050"/>
               </a:solidFill>
             </a:ln>
           </p:spPr>
@@ -28781,7 +28861,7 @@
             </a:prstGeom>
             <a:ln w="38100">
               <a:solidFill>
-                <a:srgbClr val="FFC000"/>
+                <a:srgbClr val="00B050"/>
               </a:solidFill>
             </a:ln>
           </p:spPr>
@@ -28819,7 +28899,7 @@
             </a:prstGeom>
             <a:ln w="38100">
               <a:solidFill>
-                <a:srgbClr val="FFC000"/>
+                <a:srgbClr val="00B050"/>
               </a:solidFill>
             </a:ln>
           </p:spPr>
@@ -28948,13 +29028,15 @@
         <p:cxnSp>
           <p:nvCxnSpPr>
             <p:cNvPr id="45" name="Straight Connector 44"/>
-            <p:cNvCxnSpPr/>
+            <p:cNvCxnSpPr>
+              <a:cxnSpLocks/>
+            </p:cNvCxnSpPr>
             <p:nvPr/>
           </p:nvCxnSpPr>
           <p:spPr>
             <a:xfrm flipH="1" flipV="1">
-              <a:off x="1752600" y="3090782"/>
-              <a:ext cx="2629394" cy="1677940"/>
+              <a:off x="1472024" y="2992327"/>
+              <a:ext cx="2761273" cy="1515844"/>
             </a:xfrm>
             <a:prstGeom prst="line">
               <a:avLst/>
@@ -30242,13 +30324,15 @@
       <p:cxnSp>
         <p:nvCxnSpPr>
           <p:cNvPr id="50" name="Straight Connector 49"/>
-          <p:cNvCxnSpPr/>
+          <p:cNvCxnSpPr>
+            <a:cxnSpLocks/>
+          </p:cNvCxnSpPr>
           <p:nvPr/>
         </p:nvCxnSpPr>
         <p:spPr>
           <a:xfrm flipV="1">
-            <a:off x="4209256" y="3069110"/>
-            <a:ext cx="2629394" cy="1677940"/>
+            <a:off x="4307480" y="3449043"/>
+            <a:ext cx="2109481" cy="1152346"/>
           </a:xfrm>
           <a:prstGeom prst="line">
             <a:avLst/>

--- a/Slides/PH223_Lecture_15.pptx
+++ b/Slides/PH223_Lecture_15.pptx
@@ -166,7 +166,7 @@
 <file path=ppt/revisionInfo.xml><?xml version="1.0" encoding="utf-8"?>
 <p1510:revInfo xmlns:a="http://schemas.openxmlformats.org/drawingml/2006/main" xmlns:r="http://schemas.openxmlformats.org/officeDocument/2006/relationships" xmlns:p1510="http://schemas.microsoft.com/office/powerpoint/2015/10/main">
   <p1510:revLst>
-    <p1510:client id="{94697C76-E218-456D-AEA0-211C42FA23B6}" v="1" dt="2024-05-14T16:43:02.297"/>
+    <p1510:client id="{5BC0871A-774D-4453-B8B4-AFA9AAB67B99}" v="1" dt="2024-11-27T21:04:07.590"/>
   </p1510:revLst>
 </p1510:revInfo>
 </file>
@@ -762,6 +762,30 @@
       </pc:sldChg>
     </pc:docChg>
   </pc:docChgLst>
+  <pc:docChgLst>
+    <pc:chgData name="Lines, Todd" userId="afaf7c3a-e8aa-4568-882a-02ad8f9e19b0" providerId="ADAL" clId="{5BC0871A-774D-4453-B8B4-AFA9AAB67B99}"/>
+    <pc:docChg chg="custSel modSld">
+      <pc:chgData name="Lines, Todd" userId="afaf7c3a-e8aa-4568-882a-02ad8f9e19b0" providerId="ADAL" clId="{5BC0871A-774D-4453-B8B4-AFA9AAB67B99}" dt="2024-11-27T21:04:12.093" v="1" actId="21"/>
+      <pc:docMkLst>
+        <pc:docMk/>
+      </pc:docMkLst>
+      <pc:sldChg chg="delSp modSp mod">
+        <pc:chgData name="Lines, Todd" userId="afaf7c3a-e8aa-4568-882a-02ad8f9e19b0" providerId="ADAL" clId="{5BC0871A-774D-4453-B8B4-AFA9AAB67B99}" dt="2024-11-27T21:04:12.093" v="1" actId="21"/>
+        <pc:sldMkLst>
+          <pc:docMk/>
+          <pc:sldMk cId="0" sldId="261"/>
+        </pc:sldMkLst>
+        <pc:picChg chg="del mod">
+          <ac:chgData name="Lines, Todd" userId="afaf7c3a-e8aa-4568-882a-02ad8f9e19b0" providerId="ADAL" clId="{5BC0871A-774D-4453-B8B4-AFA9AAB67B99}" dt="2024-11-27T21:04:12.093" v="1" actId="21"/>
+          <ac:picMkLst>
+            <pc:docMk/>
+            <pc:sldMk cId="0" sldId="261"/>
+            <ac:picMk id="2" creationId="{D33DA90B-A3C7-4EB4-F703-28389D3312CF}"/>
+          </ac:picMkLst>
+        </pc:picChg>
+      </pc:sldChg>
+    </pc:docChg>
+  </pc:docChgLst>
 </pc:chgInfo>
 </file>
 
@@ -945,7 +969,7 @@
             <a:fld id="{EFBB5B7A-3EC1-4CBC-A1FD-4B8F1F44BB01}" type="datetimeFigureOut">
               <a:rPr lang="en-US" smtClean="0"/>
               <a:pPr/>
-              <a:t>5/14/2024</a:t>
+              <a:t>11/27/2024</a:t>
             </a:fld>
             <a:endParaRPr lang="en-US"/>
           </a:p>
@@ -1110,7 +1134,7 @@
             <a:fld id="{EFBB5B7A-3EC1-4CBC-A1FD-4B8F1F44BB01}" type="datetimeFigureOut">
               <a:rPr lang="en-US" smtClean="0"/>
               <a:pPr/>
-              <a:t>5/14/2024</a:t>
+              <a:t>11/27/2024</a:t>
             </a:fld>
             <a:endParaRPr lang="en-US"/>
           </a:p>
@@ -1285,7 +1309,7 @@
             <a:fld id="{EFBB5B7A-3EC1-4CBC-A1FD-4B8F1F44BB01}" type="datetimeFigureOut">
               <a:rPr lang="en-US" smtClean="0"/>
               <a:pPr/>
-              <a:t>5/14/2024</a:t>
+              <a:t>11/27/2024</a:t>
             </a:fld>
             <a:endParaRPr lang="en-US"/>
           </a:p>
@@ -1711,7 +1735,7 @@
             <a:fld id="{EFBB5B7A-3EC1-4CBC-A1FD-4B8F1F44BB01}" type="datetimeFigureOut">
               <a:rPr lang="en-US" smtClean="0"/>
               <a:pPr/>
-              <a:t>5/14/2024</a:t>
+              <a:t>11/27/2024</a:t>
             </a:fld>
             <a:endParaRPr lang="en-US"/>
           </a:p>
@@ -1953,7 +1977,7 @@
             <a:fld id="{EFBB5B7A-3EC1-4CBC-A1FD-4B8F1F44BB01}" type="datetimeFigureOut">
               <a:rPr lang="en-US" smtClean="0"/>
               <a:pPr/>
-              <a:t>5/14/2024</a:t>
+              <a:t>11/27/2024</a:t>
             </a:fld>
             <a:endParaRPr lang="en-US"/>
           </a:p>
@@ -2235,7 +2259,7 @@
             <a:fld id="{EFBB5B7A-3EC1-4CBC-A1FD-4B8F1F44BB01}" type="datetimeFigureOut">
               <a:rPr lang="en-US" smtClean="0"/>
               <a:pPr/>
-              <a:t>5/14/2024</a:t>
+              <a:t>11/27/2024</a:t>
             </a:fld>
             <a:endParaRPr lang="en-US"/>
           </a:p>
@@ -2651,7 +2675,7 @@
             <a:fld id="{EFBB5B7A-3EC1-4CBC-A1FD-4B8F1F44BB01}" type="datetimeFigureOut">
               <a:rPr lang="en-US" smtClean="0"/>
               <a:pPr/>
-              <a:t>5/14/2024</a:t>
+              <a:t>11/27/2024</a:t>
             </a:fld>
             <a:endParaRPr lang="en-US"/>
           </a:p>
@@ -2765,7 +2789,7 @@
             <a:fld id="{EFBB5B7A-3EC1-4CBC-A1FD-4B8F1F44BB01}" type="datetimeFigureOut">
               <a:rPr lang="en-US" smtClean="0"/>
               <a:pPr/>
-              <a:t>5/14/2024</a:t>
+              <a:t>11/27/2024</a:t>
             </a:fld>
             <a:endParaRPr lang="en-US"/>
           </a:p>
@@ -2857,7 +2881,7 @@
             <a:fld id="{EFBB5B7A-3EC1-4CBC-A1FD-4B8F1F44BB01}" type="datetimeFigureOut">
               <a:rPr lang="en-US" smtClean="0"/>
               <a:pPr/>
-              <a:t>5/14/2024</a:t>
+              <a:t>11/27/2024</a:t>
             </a:fld>
             <a:endParaRPr lang="en-US"/>
           </a:p>
@@ -3129,7 +3153,7 @@
             <a:fld id="{EFBB5B7A-3EC1-4CBC-A1FD-4B8F1F44BB01}" type="datetimeFigureOut">
               <a:rPr lang="en-US" smtClean="0"/>
               <a:pPr/>
-              <a:t>5/14/2024</a:t>
+              <a:t>11/27/2024</a:t>
             </a:fld>
             <a:endParaRPr lang="en-US"/>
           </a:p>
@@ -3378,7 +3402,7 @@
             <a:fld id="{EFBB5B7A-3EC1-4CBC-A1FD-4B8F1F44BB01}" type="datetimeFigureOut">
               <a:rPr lang="en-US" smtClean="0"/>
               <a:pPr/>
-              <a:t>5/14/2024</a:t>
+              <a:t>11/27/2024</a:t>
             </a:fld>
             <a:endParaRPr lang="en-US"/>
           </a:p>
@@ -3586,7 +3610,7 @@
             <a:fld id="{EFBB5B7A-3EC1-4CBC-A1FD-4B8F1F44BB01}" type="datetimeFigureOut">
               <a:rPr lang="en-US" smtClean="0"/>
               <a:pPr/>
-              <a:t>5/14/2024</a:t>
+              <a:t>11/27/2024</a:t>
             </a:fld>
             <a:endParaRPr lang="en-US"/>
           </a:p>
